--- a/docs/diagrams/ModelComponentClassDiagram.pptx
+++ b/docs/diagrams/ModelComponentClassDiagram.pptx
@@ -208,7 +208,7 @@
           <a:p>
             <a:fld id="{F5CC4B3F-88C1-4FFA-B1B6-F41C21DC6924}" type="datetimeFigureOut">
               <a:rPr lang="en-US" smtClean="0"/>
-              <a:t>1/1/18</a:t>
+              <a:t>15-Apr-18</a:t>
             </a:fld>
             <a:endParaRPr lang="en-US"/>
           </a:p>
@@ -272,38 +272,37 @@
           <a:p>
             <a:pPr lvl="0"/>
             <a:r>
-              <a:rPr lang="en-US" smtClean="0"/>
+              <a:rPr lang="en-US"/>
               <a:t>Click to edit Master text styles</a:t>
             </a:r>
           </a:p>
           <a:p>
             <a:pPr lvl="1"/>
             <a:r>
-              <a:rPr lang="en-US" smtClean="0"/>
+              <a:rPr lang="en-US"/>
               <a:t>Second level</a:t>
             </a:r>
           </a:p>
           <a:p>
             <a:pPr lvl="2"/>
             <a:r>
-              <a:rPr lang="en-US" smtClean="0"/>
+              <a:rPr lang="en-US"/>
               <a:t>Third level</a:t>
             </a:r>
           </a:p>
           <a:p>
             <a:pPr lvl="3"/>
             <a:r>
-              <a:rPr lang="en-US" smtClean="0"/>
+              <a:rPr lang="en-US"/>
               <a:t>Fourth level</a:t>
             </a:r>
           </a:p>
           <a:p>
             <a:pPr lvl="4"/>
             <a:r>
-              <a:rPr lang="en-US" smtClean="0"/>
+              <a:rPr lang="en-US"/>
               <a:t>Fifth level</a:t>
             </a:r>
-            <a:endParaRPr lang="en-US"/>
           </a:p>
         </p:txBody>
       </p:sp>
@@ -514,10 +513,9 @@
           <a:lstStyle/>
           <a:p>
             <a:r>
-              <a:rPr lang="en-US" smtClean="0"/>
+              <a:rPr lang="en-US"/>
               <a:t>Click to edit Master title style</a:t>
             </a:r>
-            <a:endParaRPr lang="en-US"/>
           </a:p>
         </p:txBody>
       </p:sp>
@@ -633,10 +631,9 @@
           </a:lstStyle>
           <a:p>
             <a:r>
-              <a:rPr lang="en-US" smtClean="0"/>
+              <a:rPr lang="en-US"/>
               <a:t>Click to edit Master subtitle style</a:t>
             </a:r>
-            <a:endParaRPr lang="en-US"/>
           </a:p>
         </p:txBody>
       </p:sp>
@@ -657,7 +654,7 @@
           <a:p>
             <a:fld id="{78C97017-6FC3-485B-9764-EAC9E56C1D49}" type="datetimeFigureOut">
               <a:rPr lang="en-US" smtClean="0"/>
-              <a:t>1/1/18</a:t>
+              <a:t>15-Apr-18</a:t>
             </a:fld>
             <a:endParaRPr lang="en-US"/>
           </a:p>
@@ -751,10 +748,9 @@
           <a:lstStyle/>
           <a:p>
             <a:r>
-              <a:rPr lang="en-US" smtClean="0"/>
+              <a:rPr lang="en-US"/>
               <a:t>Click to edit Master title style</a:t>
             </a:r>
-            <a:endParaRPr lang="en-US"/>
           </a:p>
         </p:txBody>
       </p:sp>
@@ -775,38 +771,37 @@
           <a:p>
             <a:pPr lvl="0"/>
             <a:r>
-              <a:rPr lang="en-US" smtClean="0"/>
+              <a:rPr lang="en-US"/>
               <a:t>Click to edit Master text styles</a:t>
             </a:r>
           </a:p>
           <a:p>
             <a:pPr lvl="1"/>
             <a:r>
-              <a:rPr lang="en-US" smtClean="0"/>
+              <a:rPr lang="en-US"/>
               <a:t>Second level</a:t>
             </a:r>
           </a:p>
           <a:p>
             <a:pPr lvl="2"/>
             <a:r>
-              <a:rPr lang="en-US" smtClean="0"/>
+              <a:rPr lang="en-US"/>
               <a:t>Third level</a:t>
             </a:r>
           </a:p>
           <a:p>
             <a:pPr lvl="3"/>
             <a:r>
-              <a:rPr lang="en-US" smtClean="0"/>
+              <a:rPr lang="en-US"/>
               <a:t>Fourth level</a:t>
             </a:r>
           </a:p>
           <a:p>
             <a:pPr lvl="4"/>
             <a:r>
-              <a:rPr lang="en-US" smtClean="0"/>
+              <a:rPr lang="en-US"/>
               <a:t>Fifth level</a:t>
             </a:r>
-            <a:endParaRPr lang="en-US"/>
           </a:p>
         </p:txBody>
       </p:sp>
@@ -827,7 +822,7 @@
           <a:p>
             <a:fld id="{78C97017-6FC3-485B-9764-EAC9E56C1D49}" type="datetimeFigureOut">
               <a:rPr lang="en-US" smtClean="0"/>
-              <a:t>1/1/18</a:t>
+              <a:t>15-Apr-18</a:t>
             </a:fld>
             <a:endParaRPr lang="en-US"/>
           </a:p>
@@ -926,10 +921,9 @@
           <a:lstStyle/>
           <a:p>
             <a:r>
-              <a:rPr lang="en-US" smtClean="0"/>
+              <a:rPr lang="en-US"/>
               <a:t>Click to edit Master title style</a:t>
             </a:r>
-            <a:endParaRPr lang="en-US"/>
           </a:p>
         </p:txBody>
       </p:sp>
@@ -955,38 +949,37 @@
           <a:p>
             <a:pPr lvl="0"/>
             <a:r>
-              <a:rPr lang="en-US" smtClean="0"/>
+              <a:rPr lang="en-US"/>
               <a:t>Click to edit Master text styles</a:t>
             </a:r>
           </a:p>
           <a:p>
             <a:pPr lvl="1"/>
             <a:r>
-              <a:rPr lang="en-US" smtClean="0"/>
+              <a:rPr lang="en-US"/>
               <a:t>Second level</a:t>
             </a:r>
           </a:p>
           <a:p>
             <a:pPr lvl="2"/>
             <a:r>
-              <a:rPr lang="en-US" smtClean="0"/>
+              <a:rPr lang="en-US"/>
               <a:t>Third level</a:t>
             </a:r>
           </a:p>
           <a:p>
             <a:pPr lvl="3"/>
             <a:r>
-              <a:rPr lang="en-US" smtClean="0"/>
+              <a:rPr lang="en-US"/>
               <a:t>Fourth level</a:t>
             </a:r>
           </a:p>
           <a:p>
             <a:pPr lvl="4"/>
             <a:r>
-              <a:rPr lang="en-US" smtClean="0"/>
+              <a:rPr lang="en-US"/>
               <a:t>Fifth level</a:t>
             </a:r>
-            <a:endParaRPr lang="en-US"/>
           </a:p>
         </p:txBody>
       </p:sp>
@@ -1007,7 +1000,7 @@
           <a:p>
             <a:fld id="{78C97017-6FC3-485B-9764-EAC9E56C1D49}" type="datetimeFigureOut">
               <a:rPr lang="en-US" smtClean="0"/>
-              <a:t>1/1/18</a:t>
+              <a:t>15-Apr-18</a:t>
             </a:fld>
             <a:endParaRPr lang="en-US"/>
           </a:p>
@@ -1101,10 +1094,9 @@
           <a:lstStyle/>
           <a:p>
             <a:r>
-              <a:rPr lang="en-US" smtClean="0"/>
+              <a:rPr lang="en-US"/>
               <a:t>Click to edit Master title style</a:t>
             </a:r>
-            <a:endParaRPr lang="en-US"/>
           </a:p>
         </p:txBody>
       </p:sp>
@@ -1125,38 +1117,37 @@
           <a:p>
             <a:pPr lvl="0"/>
             <a:r>
-              <a:rPr lang="en-US" smtClean="0"/>
+              <a:rPr lang="en-US"/>
               <a:t>Click to edit Master text styles</a:t>
             </a:r>
           </a:p>
           <a:p>
             <a:pPr lvl="1"/>
             <a:r>
-              <a:rPr lang="en-US" smtClean="0"/>
+              <a:rPr lang="en-US"/>
               <a:t>Second level</a:t>
             </a:r>
           </a:p>
           <a:p>
             <a:pPr lvl="2"/>
             <a:r>
-              <a:rPr lang="en-US" smtClean="0"/>
+              <a:rPr lang="en-US"/>
               <a:t>Third level</a:t>
             </a:r>
           </a:p>
           <a:p>
             <a:pPr lvl="3"/>
             <a:r>
-              <a:rPr lang="en-US" smtClean="0"/>
+              <a:rPr lang="en-US"/>
               <a:t>Fourth level</a:t>
             </a:r>
           </a:p>
           <a:p>
             <a:pPr lvl="4"/>
             <a:r>
-              <a:rPr lang="en-US" smtClean="0"/>
+              <a:rPr lang="en-US"/>
               <a:t>Fifth level</a:t>
             </a:r>
-            <a:endParaRPr lang="en-US"/>
           </a:p>
         </p:txBody>
       </p:sp>
@@ -1177,7 +1168,7 @@
           <a:p>
             <a:fld id="{78C97017-6FC3-485B-9764-EAC9E56C1D49}" type="datetimeFigureOut">
               <a:rPr lang="en-US" smtClean="0"/>
-              <a:t>1/1/18</a:t>
+              <a:t>15-Apr-18</a:t>
             </a:fld>
             <a:endParaRPr lang="en-US"/>
           </a:p>
@@ -1280,10 +1271,9 @@
           </a:lstStyle>
           <a:p>
             <a:r>
-              <a:rPr lang="en-US" smtClean="0"/>
+              <a:rPr lang="en-US"/>
               <a:t>Click to edit Master title style</a:t>
             </a:r>
-            <a:endParaRPr lang="en-US"/>
           </a:p>
         </p:txBody>
       </p:sp>
@@ -1400,7 +1390,7 @@
           <a:p>
             <a:pPr lvl="0"/>
             <a:r>
-              <a:rPr lang="en-US" smtClean="0"/>
+              <a:rPr lang="en-US"/>
               <a:t>Click to edit Master text styles</a:t>
             </a:r>
           </a:p>
@@ -1423,7 +1413,7 @@
           <a:p>
             <a:fld id="{78C97017-6FC3-485B-9764-EAC9E56C1D49}" type="datetimeFigureOut">
               <a:rPr lang="en-US" smtClean="0"/>
-              <a:t>1/1/18</a:t>
+              <a:t>15-Apr-18</a:t>
             </a:fld>
             <a:endParaRPr lang="en-US"/>
           </a:p>
@@ -1517,10 +1507,9 @@
           <a:lstStyle/>
           <a:p>
             <a:r>
-              <a:rPr lang="en-US" smtClean="0"/>
+              <a:rPr lang="en-US"/>
               <a:t>Click to edit Master title style</a:t>
             </a:r>
-            <a:endParaRPr lang="en-US"/>
           </a:p>
         </p:txBody>
       </p:sp>
@@ -1574,38 +1563,37 @@
           <a:p>
             <a:pPr lvl="0"/>
             <a:r>
-              <a:rPr lang="en-US" smtClean="0"/>
+              <a:rPr lang="en-US"/>
               <a:t>Click to edit Master text styles</a:t>
             </a:r>
           </a:p>
           <a:p>
             <a:pPr lvl="1"/>
             <a:r>
-              <a:rPr lang="en-US" smtClean="0"/>
+              <a:rPr lang="en-US"/>
               <a:t>Second level</a:t>
             </a:r>
           </a:p>
           <a:p>
             <a:pPr lvl="2"/>
             <a:r>
-              <a:rPr lang="en-US" smtClean="0"/>
+              <a:rPr lang="en-US"/>
               <a:t>Third level</a:t>
             </a:r>
           </a:p>
           <a:p>
             <a:pPr lvl="3"/>
             <a:r>
-              <a:rPr lang="en-US" smtClean="0"/>
+              <a:rPr lang="en-US"/>
               <a:t>Fourth level</a:t>
             </a:r>
           </a:p>
           <a:p>
             <a:pPr lvl="4"/>
             <a:r>
-              <a:rPr lang="en-US" smtClean="0"/>
+              <a:rPr lang="en-US"/>
               <a:t>Fifth level</a:t>
             </a:r>
-            <a:endParaRPr lang="en-US"/>
           </a:p>
         </p:txBody>
       </p:sp>
@@ -1659,38 +1647,37 @@
           <a:p>
             <a:pPr lvl="0"/>
             <a:r>
-              <a:rPr lang="en-US" smtClean="0"/>
+              <a:rPr lang="en-US"/>
               <a:t>Click to edit Master text styles</a:t>
             </a:r>
           </a:p>
           <a:p>
             <a:pPr lvl="1"/>
             <a:r>
-              <a:rPr lang="en-US" smtClean="0"/>
+              <a:rPr lang="en-US"/>
               <a:t>Second level</a:t>
             </a:r>
           </a:p>
           <a:p>
             <a:pPr lvl="2"/>
             <a:r>
-              <a:rPr lang="en-US" smtClean="0"/>
+              <a:rPr lang="en-US"/>
               <a:t>Third level</a:t>
             </a:r>
           </a:p>
           <a:p>
             <a:pPr lvl="3"/>
             <a:r>
-              <a:rPr lang="en-US" smtClean="0"/>
+              <a:rPr lang="en-US"/>
               <a:t>Fourth level</a:t>
             </a:r>
           </a:p>
           <a:p>
             <a:pPr lvl="4"/>
             <a:r>
-              <a:rPr lang="en-US" smtClean="0"/>
+              <a:rPr lang="en-US"/>
               <a:t>Fifth level</a:t>
             </a:r>
-            <a:endParaRPr lang="en-US"/>
           </a:p>
         </p:txBody>
       </p:sp>
@@ -1711,7 +1698,7 @@
           <a:p>
             <a:fld id="{78C97017-6FC3-485B-9764-EAC9E56C1D49}" type="datetimeFigureOut">
               <a:rPr lang="en-US" smtClean="0"/>
-              <a:t>1/1/18</a:t>
+              <a:t>15-Apr-18</a:t>
             </a:fld>
             <a:endParaRPr lang="en-US"/>
           </a:p>
@@ -1809,10 +1796,9 @@
           </a:lstStyle>
           <a:p>
             <a:r>
-              <a:rPr lang="en-US" smtClean="0"/>
+              <a:rPr lang="en-US"/>
               <a:t>Click to edit Master title style</a:t>
             </a:r>
-            <a:endParaRPr lang="en-US"/>
           </a:p>
         </p:txBody>
       </p:sp>
@@ -1875,7 +1861,7 @@
           <a:p>
             <a:pPr lvl="0"/>
             <a:r>
-              <a:rPr lang="en-US" smtClean="0"/>
+              <a:rPr lang="en-US"/>
               <a:t>Click to edit Master text styles</a:t>
             </a:r>
           </a:p>
@@ -1931,38 +1917,37 @@
           <a:p>
             <a:pPr lvl="0"/>
             <a:r>
-              <a:rPr lang="en-US" smtClean="0"/>
+              <a:rPr lang="en-US"/>
               <a:t>Click to edit Master text styles</a:t>
             </a:r>
           </a:p>
           <a:p>
             <a:pPr lvl="1"/>
             <a:r>
-              <a:rPr lang="en-US" smtClean="0"/>
+              <a:rPr lang="en-US"/>
               <a:t>Second level</a:t>
             </a:r>
           </a:p>
           <a:p>
             <a:pPr lvl="2"/>
             <a:r>
-              <a:rPr lang="en-US" smtClean="0"/>
+              <a:rPr lang="en-US"/>
               <a:t>Third level</a:t>
             </a:r>
           </a:p>
           <a:p>
             <a:pPr lvl="3"/>
             <a:r>
-              <a:rPr lang="en-US" smtClean="0"/>
+              <a:rPr lang="en-US"/>
               <a:t>Fourth level</a:t>
             </a:r>
           </a:p>
           <a:p>
             <a:pPr lvl="4"/>
             <a:r>
-              <a:rPr lang="en-US" smtClean="0"/>
+              <a:rPr lang="en-US"/>
               <a:t>Fifth level</a:t>
             </a:r>
-            <a:endParaRPr lang="en-US"/>
           </a:p>
         </p:txBody>
       </p:sp>
@@ -2025,7 +2010,7 @@
           <a:p>
             <a:pPr lvl="0"/>
             <a:r>
-              <a:rPr lang="en-US" smtClean="0"/>
+              <a:rPr lang="en-US"/>
               <a:t>Click to edit Master text styles</a:t>
             </a:r>
           </a:p>
@@ -2081,38 +2066,37 @@
           <a:p>
             <a:pPr lvl="0"/>
             <a:r>
-              <a:rPr lang="en-US" smtClean="0"/>
+              <a:rPr lang="en-US"/>
               <a:t>Click to edit Master text styles</a:t>
             </a:r>
           </a:p>
           <a:p>
             <a:pPr lvl="1"/>
             <a:r>
-              <a:rPr lang="en-US" smtClean="0"/>
+              <a:rPr lang="en-US"/>
               <a:t>Second level</a:t>
             </a:r>
           </a:p>
           <a:p>
             <a:pPr lvl="2"/>
             <a:r>
-              <a:rPr lang="en-US" smtClean="0"/>
+              <a:rPr lang="en-US"/>
               <a:t>Third level</a:t>
             </a:r>
           </a:p>
           <a:p>
             <a:pPr lvl="3"/>
             <a:r>
-              <a:rPr lang="en-US" smtClean="0"/>
+              <a:rPr lang="en-US"/>
               <a:t>Fourth level</a:t>
             </a:r>
           </a:p>
           <a:p>
             <a:pPr lvl="4"/>
             <a:r>
-              <a:rPr lang="en-US" smtClean="0"/>
+              <a:rPr lang="en-US"/>
               <a:t>Fifth level</a:t>
             </a:r>
-            <a:endParaRPr lang="en-US"/>
           </a:p>
         </p:txBody>
       </p:sp>
@@ -2133,7 +2117,7 @@
           <a:p>
             <a:fld id="{78C97017-6FC3-485B-9764-EAC9E56C1D49}" type="datetimeFigureOut">
               <a:rPr lang="en-US" smtClean="0"/>
-              <a:t>1/1/18</a:t>
+              <a:t>15-Apr-18</a:t>
             </a:fld>
             <a:endParaRPr lang="en-US"/>
           </a:p>
@@ -2227,10 +2211,9 @@
           <a:lstStyle/>
           <a:p>
             <a:r>
-              <a:rPr lang="en-US" smtClean="0"/>
+              <a:rPr lang="en-US"/>
               <a:t>Click to edit Master title style</a:t>
             </a:r>
-            <a:endParaRPr lang="en-US"/>
           </a:p>
         </p:txBody>
       </p:sp>
@@ -2251,7 +2234,7 @@
           <a:p>
             <a:fld id="{78C97017-6FC3-485B-9764-EAC9E56C1D49}" type="datetimeFigureOut">
               <a:rPr lang="en-US" smtClean="0"/>
-              <a:t>1/1/18</a:t>
+              <a:t>15-Apr-18</a:t>
             </a:fld>
             <a:endParaRPr lang="en-US"/>
           </a:p>
@@ -2346,7 +2329,7 @@
           <a:p>
             <a:fld id="{78C97017-6FC3-485B-9764-EAC9E56C1D49}" type="datetimeFigureOut">
               <a:rPr lang="en-US" smtClean="0"/>
-              <a:t>1/1/18</a:t>
+              <a:t>15-Apr-18</a:t>
             </a:fld>
             <a:endParaRPr lang="en-US"/>
           </a:p>
@@ -2449,10 +2432,9 @@
           </a:lstStyle>
           <a:p>
             <a:r>
-              <a:rPr lang="en-US" smtClean="0"/>
+              <a:rPr lang="en-US"/>
               <a:t>Click to edit Master title style</a:t>
             </a:r>
-            <a:endParaRPr lang="en-US"/>
           </a:p>
         </p:txBody>
       </p:sp>
@@ -2506,38 +2488,37 @@
           <a:p>
             <a:pPr lvl="0"/>
             <a:r>
-              <a:rPr lang="en-US" smtClean="0"/>
+              <a:rPr lang="en-US"/>
               <a:t>Click to edit Master text styles</a:t>
             </a:r>
           </a:p>
           <a:p>
             <a:pPr lvl="1"/>
             <a:r>
-              <a:rPr lang="en-US" smtClean="0"/>
+              <a:rPr lang="en-US"/>
               <a:t>Second level</a:t>
             </a:r>
           </a:p>
           <a:p>
             <a:pPr lvl="2"/>
             <a:r>
-              <a:rPr lang="en-US" smtClean="0"/>
+              <a:rPr lang="en-US"/>
               <a:t>Third level</a:t>
             </a:r>
           </a:p>
           <a:p>
             <a:pPr lvl="3"/>
             <a:r>
-              <a:rPr lang="en-US" smtClean="0"/>
+              <a:rPr lang="en-US"/>
               <a:t>Fourth level</a:t>
             </a:r>
           </a:p>
           <a:p>
             <a:pPr lvl="4"/>
             <a:r>
-              <a:rPr lang="en-US" smtClean="0"/>
+              <a:rPr lang="en-US"/>
               <a:t>Fifth level</a:t>
             </a:r>
-            <a:endParaRPr lang="en-US"/>
           </a:p>
         </p:txBody>
       </p:sp>
@@ -2600,7 +2581,7 @@
           <a:p>
             <a:pPr lvl="0"/>
             <a:r>
-              <a:rPr lang="en-US" smtClean="0"/>
+              <a:rPr lang="en-US"/>
               <a:t>Click to edit Master text styles</a:t>
             </a:r>
           </a:p>
@@ -2623,7 +2604,7 @@
           <a:p>
             <a:fld id="{78C97017-6FC3-485B-9764-EAC9E56C1D49}" type="datetimeFigureOut">
               <a:rPr lang="en-US" smtClean="0"/>
-              <a:t>1/1/18</a:t>
+              <a:t>15-Apr-18</a:t>
             </a:fld>
             <a:endParaRPr lang="en-US"/>
           </a:p>
@@ -2726,10 +2707,9 @@
           </a:lstStyle>
           <a:p>
             <a:r>
-              <a:rPr lang="en-US" smtClean="0"/>
+              <a:rPr lang="en-US"/>
               <a:t>Click to edit Master title style</a:t>
             </a:r>
-            <a:endParaRPr lang="en-US"/>
           </a:p>
         </p:txBody>
       </p:sp>
@@ -2853,7 +2833,7 @@
           <a:p>
             <a:pPr lvl="0"/>
             <a:r>
-              <a:rPr lang="en-US" smtClean="0"/>
+              <a:rPr lang="en-US"/>
               <a:t>Click to edit Master text styles</a:t>
             </a:r>
           </a:p>
@@ -2876,7 +2856,7 @@
           <a:p>
             <a:fld id="{78C97017-6FC3-485B-9764-EAC9E56C1D49}" type="datetimeFigureOut">
               <a:rPr lang="en-US" smtClean="0"/>
-              <a:t>1/1/18</a:t>
+              <a:t>15-Apr-18</a:t>
             </a:fld>
             <a:endParaRPr lang="en-US"/>
           </a:p>
@@ -2985,10 +2965,9 @@
           <a:lstStyle/>
           <a:p>
             <a:r>
-              <a:rPr lang="en-US" smtClean="0"/>
+              <a:rPr lang="en-US"/>
               <a:t>Click to edit Master title style</a:t>
             </a:r>
-            <a:endParaRPr lang="en-US"/>
           </a:p>
         </p:txBody>
       </p:sp>
@@ -3019,38 +2998,37 @@
           <a:p>
             <a:pPr lvl="0"/>
             <a:r>
-              <a:rPr lang="en-US" smtClean="0"/>
+              <a:rPr lang="en-US"/>
               <a:t>Click to edit Master text styles</a:t>
             </a:r>
           </a:p>
           <a:p>
             <a:pPr lvl="1"/>
             <a:r>
-              <a:rPr lang="en-US" smtClean="0"/>
+              <a:rPr lang="en-US"/>
               <a:t>Second level</a:t>
             </a:r>
           </a:p>
           <a:p>
             <a:pPr lvl="2"/>
             <a:r>
-              <a:rPr lang="en-US" smtClean="0"/>
+              <a:rPr lang="en-US"/>
               <a:t>Third level</a:t>
             </a:r>
           </a:p>
           <a:p>
             <a:pPr lvl="3"/>
             <a:r>
-              <a:rPr lang="en-US" smtClean="0"/>
+              <a:rPr lang="en-US"/>
               <a:t>Fourth level</a:t>
             </a:r>
           </a:p>
           <a:p>
             <a:pPr lvl="4"/>
             <a:r>
-              <a:rPr lang="en-US" smtClean="0"/>
+              <a:rPr lang="en-US"/>
               <a:t>Fifth level</a:t>
             </a:r>
-            <a:endParaRPr lang="en-US"/>
           </a:p>
         </p:txBody>
       </p:sp>
@@ -3089,7 +3067,7 @@
           <a:p>
             <a:fld id="{78C97017-6FC3-485B-9764-EAC9E56C1D49}" type="datetimeFigureOut">
               <a:rPr lang="en-US" smtClean="0"/>
-              <a:t>1/1/18</a:t>
+              <a:t>15-Apr-18</a:t>
             </a:fld>
             <a:endParaRPr lang="en-US"/>
           </a:p>
@@ -3472,8 +3450,8 @@
         </p:nvSpPr>
         <p:spPr>
           <a:xfrm>
-            <a:off x="1119865" y="1727200"/>
-            <a:ext cx="7490735" cy="2997200"/>
+            <a:off x="1119865" y="1445379"/>
+            <a:ext cx="7490735" cy="3645720"/>
           </a:xfrm>
           <a:prstGeom prst="roundRect">
             <a:avLst>
@@ -3510,7 +3488,7 @@
           <a:lstStyle/>
           <a:p>
             <a:r>
-              <a:rPr lang="en-US" sz="1200" b="1" dirty="0" smtClean="0">
+              <a:rPr lang="en-US" sz="1200" b="1" dirty="0">
                 <a:solidFill>
                   <a:srgbClr val="7030A0"/>
                 </a:solidFill>
@@ -3569,7 +3547,7 @@
           <a:p>
             <a:pPr algn="ctr"/>
             <a:r>
-              <a:rPr lang="en-US" sz="1050" dirty="0" err="1" smtClean="0">
+              <a:rPr lang="en-US" sz="1050" dirty="0" err="1">
                 <a:solidFill>
                   <a:schemeClr val="bg1"/>
                 </a:solidFill>
@@ -3628,7 +3606,7 @@
           <a:p>
             <a:pPr algn="ctr"/>
             <a:r>
-              <a:rPr lang="en-US" sz="1050" dirty="0" err="1" smtClean="0">
+              <a:rPr lang="en-US" sz="1050" dirty="0" err="1">
                 <a:solidFill>
                   <a:schemeClr val="bg1"/>
                 </a:solidFill>
@@ -3742,7 +3720,7 @@
           <a:p>
             <a:pPr algn="ctr"/>
             <a:r>
-              <a:rPr lang="en-US" sz="1050" dirty="0" smtClean="0">
+              <a:rPr lang="en-US" sz="1050" dirty="0">
                 <a:solidFill>
                   <a:schemeClr val="bg1"/>
                 </a:solidFill>
@@ -4015,7 +3993,7 @@
           <a:p>
             <a:pPr algn="ctr"/>
             <a:r>
-              <a:rPr lang="en-US" sz="1050" dirty="0" err="1" smtClean="0">
+              <a:rPr lang="en-US" sz="1050" dirty="0" err="1">
                 <a:solidFill>
                   <a:srgbClr val="7030A0"/>
                 </a:solidFill>
@@ -4157,7 +4135,7 @@
           <a:p>
             <a:pPr algn="ctr"/>
             <a:r>
-              <a:rPr lang="en-US" sz="1050" dirty="0" err="1" smtClean="0">
+              <a:rPr lang="en-US" sz="1050" dirty="0" err="1">
                 <a:solidFill>
                   <a:srgbClr val="7030A0"/>
                 </a:solidFill>
@@ -4301,7 +4279,7 @@
           <a:p>
             <a:pPr algn="ctr"/>
             <a:r>
-              <a:rPr lang="en-US" sz="1050" dirty="0" err="1" smtClean="0">
+              <a:rPr lang="en-US" sz="1050" dirty="0" err="1">
                 <a:solidFill>
                   <a:srgbClr val="7030A0"/>
                 </a:solidFill>
@@ -4400,7 +4378,7 @@
           <a:p>
             <a:pPr algn="ctr"/>
             <a:r>
-              <a:rPr lang="en-US" sz="1050" dirty="0" smtClean="0">
+              <a:rPr lang="en-US" sz="1050" dirty="0">
                 <a:solidFill>
                   <a:srgbClr val="7030A0"/>
                 </a:solidFill>
@@ -4542,7 +4520,7 @@
           <a:p>
             <a:pPr algn="ctr"/>
             <a:r>
-              <a:rPr lang="en-US" sz="1050" dirty="0" smtClean="0">
+              <a:rPr lang="en-US" sz="1050" dirty="0">
                 <a:solidFill>
                   <a:srgbClr val="7030A0"/>
                 </a:solidFill>
@@ -4651,7 +4629,7 @@
         </p:nvSpPr>
         <p:spPr>
           <a:xfrm>
-            <a:off x="7712397" y="2564238"/>
+            <a:off x="7679271" y="1866067"/>
             <a:ext cx="708186" cy="285783"/>
           </a:xfrm>
           <a:prstGeom prst="rect">
@@ -4684,7 +4662,7 @@
           <a:p>
             <a:pPr algn="ctr"/>
             <a:r>
-              <a:rPr lang="en-US" sz="1050" dirty="0" smtClean="0">
+              <a:rPr lang="en-US" sz="1050" dirty="0">
                 <a:solidFill>
                   <a:srgbClr val="7030A0"/>
                 </a:solidFill>
@@ -4750,6 +4728,7 @@
         <p:nvCxnSpPr>
           <p:cNvPr id="79" name="Elbow Connector 78"/>
           <p:cNvCxnSpPr>
+            <a:cxnSpLocks/>
             <a:stCxn id="78" idx="3"/>
             <a:endCxn id="76" idx="1"/>
           </p:cNvCxnSpPr>
@@ -4757,8 +4736,8 @@
         </p:nvCxnSpPr>
         <p:spPr>
           <a:xfrm flipV="1">
-            <a:off x="7277995" y="2707130"/>
-            <a:ext cx="434402" cy="327761"/>
+            <a:off x="7277995" y="2008959"/>
+            <a:ext cx="401276" cy="1025932"/>
           </a:xfrm>
           <a:prstGeom prst="bentConnector3">
             <a:avLst/>
@@ -4795,7 +4774,7 @@
         </p:nvSpPr>
         <p:spPr>
           <a:xfrm>
-            <a:off x="7712397" y="2887216"/>
+            <a:off x="7689877" y="2227019"/>
             <a:ext cx="708186" cy="285783"/>
           </a:xfrm>
           <a:prstGeom prst="rect">
@@ -4828,7 +4807,7 @@
           <a:p>
             <a:pPr algn="ctr"/>
             <a:r>
-              <a:rPr lang="en-US" sz="1050" dirty="0" smtClean="0">
+              <a:rPr lang="en-US" sz="1050" dirty="0">
                 <a:solidFill>
                   <a:srgbClr val="7030A0"/>
                 </a:solidFill>
@@ -4854,8 +4833,8 @@
         </p:nvCxnSpPr>
         <p:spPr>
           <a:xfrm flipV="1">
-            <a:off x="7277995" y="3030108"/>
-            <a:ext cx="434402" cy="4783"/>
+            <a:off x="7277995" y="2369911"/>
+            <a:ext cx="411882" cy="664980"/>
           </a:xfrm>
           <a:prstGeom prst="bentConnector3">
             <a:avLst/>
@@ -4892,7 +4871,7 @@
         </p:nvSpPr>
         <p:spPr>
           <a:xfrm>
-            <a:off x="7712397" y="3210194"/>
+            <a:off x="7703129" y="2611877"/>
             <a:ext cx="708186" cy="285783"/>
           </a:xfrm>
           <a:prstGeom prst="rect">
@@ -4925,7 +4904,7 @@
           <a:p>
             <a:pPr algn="ctr"/>
             <a:r>
-              <a:rPr lang="en-US" sz="1050" dirty="0" smtClean="0">
+              <a:rPr lang="en-US" sz="1050" dirty="0">
                 <a:solidFill>
                   <a:srgbClr val="7030A0"/>
                 </a:solidFill>
@@ -4950,9 +4929,9 @@
           <p:nvPr/>
         </p:nvCxnSpPr>
         <p:spPr>
-          <a:xfrm>
-            <a:off x="7277995" y="3034891"/>
-            <a:ext cx="434402" cy="318195"/>
+          <a:xfrm flipV="1">
+            <a:off x="7277995" y="2754769"/>
+            <a:ext cx="425134" cy="280122"/>
           </a:xfrm>
           <a:prstGeom prst="bentConnector3">
             <a:avLst/>
@@ -4989,7 +4968,7 @@
         </p:nvSpPr>
         <p:spPr>
           <a:xfrm>
-            <a:off x="7712397" y="3533171"/>
+            <a:off x="7690883" y="3036719"/>
             <a:ext cx="708186" cy="285783"/>
           </a:xfrm>
           <a:prstGeom prst="rect">
@@ -5022,7 +5001,7 @@
           <a:p>
             <a:pPr algn="ctr"/>
             <a:r>
-              <a:rPr lang="en-US" sz="1050" dirty="0" smtClean="0">
+              <a:rPr lang="en-US" sz="1050" dirty="0">
                 <a:solidFill>
                   <a:srgbClr val="7030A0"/>
                 </a:solidFill>
@@ -5049,7 +5028,7 @@
         <p:spPr>
           <a:xfrm>
             <a:off x="7277995" y="3034891"/>
-            <a:ext cx="434402" cy="641172"/>
+            <a:ext cx="412888" cy="144720"/>
           </a:xfrm>
           <a:prstGeom prst="bentConnector3">
             <a:avLst/>
@@ -5210,7 +5189,7 @@
           <a:p>
             <a:pPr algn="ctr"/>
             <a:r>
-              <a:rPr lang="en-US" sz="1050" dirty="0" smtClean="0">
+              <a:rPr lang="en-US" sz="1050" dirty="0">
                 <a:solidFill>
                   <a:srgbClr val="7030A0"/>
                 </a:solidFill>
@@ -5218,14 +5197,14 @@
               <a:t>&lt;&lt;interface&gt;&gt;</a:t>
             </a:r>
             <a:br>
-              <a:rPr lang="en-US" sz="1050" dirty="0" smtClean="0">
+              <a:rPr lang="en-US" sz="1050" dirty="0">
                 <a:solidFill>
                   <a:srgbClr val="7030A0"/>
                 </a:solidFill>
               </a:rPr>
             </a:br>
             <a:r>
-              <a:rPr lang="en-US" sz="1050" dirty="0" err="1" smtClean="0">
+              <a:rPr lang="en-US" sz="1050" dirty="0" err="1">
                 <a:solidFill>
                   <a:srgbClr val="7030A0"/>
                 </a:solidFill>
@@ -5264,7 +5243,7 @@
           <a:p>
             <a:pPr algn="r"/>
             <a:r>
-              <a:rPr lang="en-US" sz="1100" dirty="0" smtClean="0">
+              <a:rPr lang="en-US" sz="1100" dirty="0">
                 <a:solidFill>
                   <a:srgbClr val="7030A0"/>
                 </a:solidFill>
@@ -5320,20 +5299,12 @@
           <a:p>
             <a:pPr algn="ctr"/>
             <a:r>
-              <a:rPr lang="en-US" sz="1050" dirty="0" smtClean="0">
+              <a:rPr lang="en-US" sz="1050" dirty="0">
                 <a:solidFill>
                   <a:srgbClr val="7030A0"/>
                 </a:solidFill>
               </a:rPr>
               <a:t>&lt;&lt;interface&gt;&gt;</a:t>
-            </a:r>
-            <a:r>
-              <a:rPr lang="en-US" sz="1050">
-                <a:solidFill>
-                  <a:srgbClr val="7030A0"/>
-                </a:solidFill>
-              </a:rPr>
-              <a:t/>
             </a:r>
             <a:br>
               <a:rPr lang="en-US" sz="1050">
@@ -5343,7 +5314,7 @@
               </a:rPr>
             </a:br>
             <a:r>
-              <a:rPr lang="en-US" sz="1050" dirty="0" err="1" smtClean="0">
+              <a:rPr lang="en-US" sz="1050" dirty="0" err="1">
                 <a:solidFill>
                   <a:srgbClr val="7030A0"/>
                 </a:solidFill>
@@ -5465,7 +5436,7 @@
           <a:p>
             <a:pPr algn="ctr"/>
             <a:r>
-              <a:rPr lang="en-US" sz="1100" dirty="0" smtClean="0">
+              <a:rPr lang="en-US" sz="1100" dirty="0">
                 <a:solidFill>
                   <a:srgbClr val="7030A0"/>
                 </a:solidFill>
@@ -5504,7 +5475,7 @@
           <a:p>
             <a:pPr algn="ctr"/>
             <a:r>
-              <a:rPr lang="en-US" sz="1100" dirty="0" smtClean="0">
+              <a:rPr lang="en-US" sz="1100" dirty="0">
                 <a:solidFill>
                   <a:srgbClr val="7030A0"/>
                 </a:solidFill>
@@ -5543,7 +5514,7 @@
           <a:p>
             <a:pPr algn="ctr"/>
             <a:r>
-              <a:rPr lang="en-US" sz="1100" dirty="0" smtClean="0">
+              <a:rPr lang="en-US" sz="1100" dirty="0">
                 <a:solidFill>
                   <a:srgbClr val="7030A0"/>
                 </a:solidFill>
@@ -5582,7 +5553,7 @@
           <a:p>
             <a:pPr algn="ctr"/>
             <a:r>
-              <a:rPr lang="en-US" sz="1100" dirty="0" smtClean="0">
+              <a:rPr lang="en-US" sz="1100" dirty="0">
                 <a:solidFill>
                   <a:srgbClr val="7030A0"/>
                 </a:solidFill>
@@ -5621,7 +5592,7 @@
           <a:p>
             <a:pPr algn="ctr"/>
             <a:r>
-              <a:rPr lang="en-US" sz="1100" dirty="0" smtClean="0">
+              <a:rPr lang="en-US" sz="1100" dirty="0">
                 <a:solidFill>
                   <a:srgbClr val="7030A0"/>
                 </a:solidFill>
@@ -5660,7 +5631,7 @@
           <a:p>
             <a:pPr algn="ctr"/>
             <a:r>
-              <a:rPr lang="en-US" sz="1100" dirty="0" smtClean="0">
+              <a:rPr lang="en-US" sz="1100" dirty="0">
                 <a:solidFill>
                   <a:srgbClr val="7030A0"/>
                 </a:solidFill>
@@ -5699,7 +5670,7 @@
           <a:p>
             <a:pPr algn="ctr"/>
             <a:r>
-              <a:rPr lang="en-US" sz="1100" dirty="0" smtClean="0">
+              <a:rPr lang="en-US" sz="1100" dirty="0">
                 <a:solidFill>
                   <a:srgbClr val="7030A0"/>
                 </a:solidFill>
@@ -5738,7 +5709,7 @@
           <a:p>
             <a:pPr algn="ctr"/>
             <a:r>
-              <a:rPr lang="en-US" sz="1100" dirty="0" smtClean="0">
+              <a:rPr lang="en-US" sz="1100" dirty="0">
                 <a:solidFill>
                   <a:srgbClr val="7030A0"/>
                 </a:solidFill>
@@ -5753,6 +5724,450 @@
           </a:p>
         </p:txBody>
       </p:sp>
+      <p:sp>
+        <p:nvSpPr>
+          <p:cNvPr id="71" name="Rectangle 8">
+            <a:extLst>
+              <a:ext uri="{FF2B5EF4-FFF2-40B4-BE49-F238E27FC236}">
+                <a16:creationId xmlns:a16="http://schemas.microsoft.com/office/drawing/2014/main" id="{EE1073CF-E743-48AB-8E7A-63AB0CF1BBBC}"/>
+              </a:ext>
+            </a:extLst>
+          </p:cNvPr>
+          <p:cNvSpPr/>
+          <p:nvPr/>
+        </p:nvSpPr>
+        <p:spPr>
+          <a:xfrm>
+            <a:off x="7693771" y="3448574"/>
+            <a:ext cx="708186" cy="285783"/>
+          </a:xfrm>
+          <a:prstGeom prst="rect">
+            <a:avLst/>
+          </a:prstGeom>
+          <a:ln w="19050">
+            <a:solidFill>
+              <a:srgbClr val="7030A0"/>
+            </a:solidFill>
+          </a:ln>
+          <a:effectLst/>
+        </p:spPr>
+        <p:style>
+          <a:lnRef idx="1">
+            <a:schemeClr val="accent4"/>
+          </a:lnRef>
+          <a:fillRef idx="2">
+            <a:schemeClr val="accent4"/>
+          </a:fillRef>
+          <a:effectRef idx="1">
+            <a:schemeClr val="accent4"/>
+          </a:effectRef>
+          <a:fontRef idx="minor">
+            <a:schemeClr val="dk1"/>
+          </a:fontRef>
+        </p:style>
+        <p:txBody>
+          <a:bodyPr rtlCol="0" anchor="ctr"/>
+          <a:lstStyle/>
+          <a:p>
+            <a:pPr algn="ctr"/>
+            <a:r>
+              <a:rPr lang="en-US" sz="1050" dirty="0">
+                <a:solidFill>
+                  <a:srgbClr val="7030A0"/>
+                </a:solidFill>
+              </a:rPr>
+              <a:t>Price</a:t>
+            </a:r>
+            <a:endParaRPr lang="en-SG" sz="1050" dirty="0">
+              <a:solidFill>
+                <a:srgbClr val="7030A0"/>
+              </a:solidFill>
+            </a:endParaRPr>
+          </a:p>
+        </p:txBody>
+      </p:sp>
+      <p:cxnSp>
+        <p:nvCxnSpPr>
+          <p:cNvPr id="72" name="Elbow Connector 85">
+            <a:extLst>
+              <a:ext uri="{FF2B5EF4-FFF2-40B4-BE49-F238E27FC236}">
+                <a16:creationId xmlns:a16="http://schemas.microsoft.com/office/drawing/2014/main" id="{630E6FE4-0842-4612-B5A1-913994E7625A}"/>
+              </a:ext>
+            </a:extLst>
+          </p:cNvPr>
+          <p:cNvCxnSpPr>
+            <a:cxnSpLocks/>
+            <a:stCxn id="78" idx="3"/>
+            <a:endCxn id="71" idx="1"/>
+          </p:cNvCxnSpPr>
+          <p:nvPr/>
+        </p:nvCxnSpPr>
+        <p:spPr>
+          <a:xfrm>
+            <a:off x="7277995" y="3034891"/>
+            <a:ext cx="415776" cy="556575"/>
+          </a:xfrm>
+          <a:prstGeom prst="bentConnector3">
+            <a:avLst>
+              <a:gd name="adj1" fmla="val 50000"/>
+            </a:avLst>
+          </a:prstGeom>
+          <a:ln w="19050">
+            <a:solidFill>
+              <a:srgbClr val="7030A0"/>
+            </a:solidFill>
+            <a:headEnd type="none" w="med" len="med"/>
+            <a:tailEnd type="arrow" w="med" len="med"/>
+          </a:ln>
+          <a:effectLst/>
+        </p:spPr>
+        <p:style>
+          <a:lnRef idx="1">
+            <a:schemeClr val="accent2"/>
+          </a:lnRef>
+          <a:fillRef idx="2">
+            <a:schemeClr val="accent2"/>
+          </a:fillRef>
+          <a:effectRef idx="1">
+            <a:schemeClr val="accent2"/>
+          </a:effectRef>
+          <a:fontRef idx="minor">
+            <a:schemeClr val="dk1"/>
+          </a:fontRef>
+        </p:style>
+      </p:cxnSp>
+      <p:sp>
+        <p:nvSpPr>
+          <p:cNvPr id="73" name="Rectangle 8">
+            <a:extLst>
+              <a:ext uri="{FF2B5EF4-FFF2-40B4-BE49-F238E27FC236}">
+                <a16:creationId xmlns:a16="http://schemas.microsoft.com/office/drawing/2014/main" id="{56D00457-7A04-4C3D-B0B6-4C52E23B89A9}"/>
+              </a:ext>
+            </a:extLst>
+          </p:cNvPr>
+          <p:cNvSpPr/>
+          <p:nvPr/>
+        </p:nvSpPr>
+        <p:spPr>
+          <a:xfrm>
+            <a:off x="7688261" y="3822441"/>
+            <a:ext cx="708186" cy="285783"/>
+          </a:xfrm>
+          <a:prstGeom prst="rect">
+            <a:avLst/>
+          </a:prstGeom>
+          <a:ln w="19050">
+            <a:solidFill>
+              <a:srgbClr val="7030A0"/>
+            </a:solidFill>
+          </a:ln>
+          <a:effectLst/>
+        </p:spPr>
+        <p:style>
+          <a:lnRef idx="1">
+            <a:schemeClr val="accent4"/>
+          </a:lnRef>
+          <a:fillRef idx="2">
+            <a:schemeClr val="accent4"/>
+          </a:fillRef>
+          <a:effectRef idx="1">
+            <a:schemeClr val="accent4"/>
+          </a:effectRef>
+          <a:fontRef idx="minor">
+            <a:schemeClr val="dk1"/>
+          </a:fontRef>
+        </p:style>
+        <p:txBody>
+          <a:bodyPr rtlCol="0" anchor="ctr"/>
+          <a:lstStyle/>
+          <a:p>
+            <a:pPr algn="ctr"/>
+            <a:r>
+              <a:rPr lang="en-US" sz="1050" dirty="0">
+                <a:solidFill>
+                  <a:srgbClr val="7030A0"/>
+                </a:solidFill>
+              </a:rPr>
+              <a:t>Subject</a:t>
+            </a:r>
+            <a:endParaRPr lang="en-SG" sz="1050" dirty="0">
+              <a:solidFill>
+                <a:srgbClr val="7030A0"/>
+              </a:solidFill>
+            </a:endParaRPr>
+          </a:p>
+        </p:txBody>
+      </p:sp>
+      <p:cxnSp>
+        <p:nvCxnSpPr>
+          <p:cNvPr id="74" name="Elbow Connector 85">
+            <a:extLst>
+              <a:ext uri="{FF2B5EF4-FFF2-40B4-BE49-F238E27FC236}">
+                <a16:creationId xmlns:a16="http://schemas.microsoft.com/office/drawing/2014/main" id="{CEBF5A3A-0370-41A1-AE65-00AE2A5B0F0A}"/>
+              </a:ext>
+            </a:extLst>
+          </p:cNvPr>
+          <p:cNvCxnSpPr>
+            <a:cxnSpLocks/>
+            <a:stCxn id="78" idx="3"/>
+            <a:endCxn id="73" idx="1"/>
+          </p:cNvCxnSpPr>
+          <p:nvPr/>
+        </p:nvCxnSpPr>
+        <p:spPr>
+          <a:xfrm>
+            <a:off x="7277995" y="3034891"/>
+            <a:ext cx="410266" cy="930442"/>
+          </a:xfrm>
+          <a:prstGeom prst="bentConnector3">
+            <a:avLst>
+              <a:gd name="adj1" fmla="val 50000"/>
+            </a:avLst>
+          </a:prstGeom>
+          <a:ln w="19050">
+            <a:solidFill>
+              <a:srgbClr val="7030A0"/>
+            </a:solidFill>
+            <a:headEnd type="none" w="med" len="med"/>
+            <a:tailEnd type="arrow" w="med" len="med"/>
+          </a:ln>
+          <a:effectLst/>
+        </p:spPr>
+        <p:style>
+          <a:lnRef idx="1">
+            <a:schemeClr val="accent2"/>
+          </a:lnRef>
+          <a:fillRef idx="2">
+            <a:schemeClr val="accent2"/>
+          </a:fillRef>
+          <a:effectRef idx="1">
+            <a:schemeClr val="accent2"/>
+          </a:effectRef>
+          <a:fontRef idx="minor">
+            <a:schemeClr val="dk1"/>
+          </a:fontRef>
+        </p:style>
+      </p:cxnSp>
+      <p:sp>
+        <p:nvSpPr>
+          <p:cNvPr id="77" name="Rectangle 8">
+            <a:extLst>
+              <a:ext uri="{FF2B5EF4-FFF2-40B4-BE49-F238E27FC236}">
+                <a16:creationId xmlns:a16="http://schemas.microsoft.com/office/drawing/2014/main" id="{08B0CC2A-EAEC-4F09-A49A-AE5903E43221}"/>
+              </a:ext>
+            </a:extLst>
+          </p:cNvPr>
+          <p:cNvSpPr/>
+          <p:nvPr/>
+        </p:nvSpPr>
+        <p:spPr>
+          <a:xfrm>
+            <a:off x="7691616" y="4220493"/>
+            <a:ext cx="708186" cy="285783"/>
+          </a:xfrm>
+          <a:prstGeom prst="rect">
+            <a:avLst/>
+          </a:prstGeom>
+          <a:ln w="19050">
+            <a:solidFill>
+              <a:srgbClr val="7030A0"/>
+            </a:solidFill>
+          </a:ln>
+          <a:effectLst/>
+        </p:spPr>
+        <p:style>
+          <a:lnRef idx="1">
+            <a:schemeClr val="accent4"/>
+          </a:lnRef>
+          <a:fillRef idx="2">
+            <a:schemeClr val="accent4"/>
+          </a:fillRef>
+          <a:effectRef idx="1">
+            <a:schemeClr val="accent4"/>
+          </a:effectRef>
+          <a:fontRef idx="minor">
+            <a:schemeClr val="dk1"/>
+          </a:fontRef>
+        </p:style>
+        <p:txBody>
+          <a:bodyPr rtlCol="0" anchor="ctr"/>
+          <a:lstStyle/>
+          <a:p>
+            <a:pPr algn="ctr"/>
+            <a:r>
+              <a:rPr lang="en-US" sz="1050" dirty="0">
+                <a:solidFill>
+                  <a:srgbClr val="7030A0"/>
+                </a:solidFill>
+              </a:rPr>
+              <a:t>Level</a:t>
+            </a:r>
+            <a:endParaRPr lang="en-SG" sz="1050" dirty="0">
+              <a:solidFill>
+                <a:srgbClr val="7030A0"/>
+              </a:solidFill>
+            </a:endParaRPr>
+          </a:p>
+        </p:txBody>
+      </p:sp>
+      <p:cxnSp>
+        <p:nvCxnSpPr>
+          <p:cNvPr id="82" name="Elbow Connector 85">
+            <a:extLst>
+              <a:ext uri="{FF2B5EF4-FFF2-40B4-BE49-F238E27FC236}">
+                <a16:creationId xmlns:a16="http://schemas.microsoft.com/office/drawing/2014/main" id="{380D601B-0E14-4CA9-A761-8572680452CA}"/>
+              </a:ext>
+            </a:extLst>
+          </p:cNvPr>
+          <p:cNvCxnSpPr>
+            <a:cxnSpLocks/>
+            <a:stCxn id="78" idx="3"/>
+            <a:endCxn id="77" idx="1"/>
+          </p:cNvCxnSpPr>
+          <p:nvPr/>
+        </p:nvCxnSpPr>
+        <p:spPr>
+          <a:xfrm>
+            <a:off x="7277995" y="3034891"/>
+            <a:ext cx="413621" cy="1328494"/>
+          </a:xfrm>
+          <a:prstGeom prst="bentConnector3">
+            <a:avLst/>
+          </a:prstGeom>
+          <a:ln w="19050">
+            <a:solidFill>
+              <a:srgbClr val="7030A0"/>
+            </a:solidFill>
+            <a:headEnd type="none" w="med" len="med"/>
+            <a:tailEnd type="arrow" w="med" len="med"/>
+          </a:ln>
+          <a:effectLst/>
+        </p:spPr>
+        <p:style>
+          <a:lnRef idx="1">
+            <a:schemeClr val="accent2"/>
+          </a:lnRef>
+          <a:fillRef idx="2">
+            <a:schemeClr val="accent2"/>
+          </a:fillRef>
+          <a:effectRef idx="1">
+            <a:schemeClr val="accent2"/>
+          </a:effectRef>
+          <a:fontRef idx="minor">
+            <a:schemeClr val="dk1"/>
+          </a:fontRef>
+        </p:style>
+      </p:cxnSp>
+      <p:sp>
+        <p:nvSpPr>
+          <p:cNvPr id="87" name="Rectangle 8">
+            <a:extLst>
+              <a:ext uri="{FF2B5EF4-FFF2-40B4-BE49-F238E27FC236}">
+                <a16:creationId xmlns:a16="http://schemas.microsoft.com/office/drawing/2014/main" id="{58845981-8370-406E-8FE6-80407CC0F74E}"/>
+              </a:ext>
+            </a:extLst>
+          </p:cNvPr>
+          <p:cNvSpPr/>
+          <p:nvPr/>
+        </p:nvSpPr>
+        <p:spPr>
+          <a:xfrm>
+            <a:off x="7703129" y="4628516"/>
+            <a:ext cx="708186" cy="285783"/>
+          </a:xfrm>
+          <a:prstGeom prst="rect">
+            <a:avLst/>
+          </a:prstGeom>
+          <a:ln w="19050">
+            <a:solidFill>
+              <a:srgbClr val="7030A0"/>
+            </a:solidFill>
+          </a:ln>
+          <a:effectLst/>
+        </p:spPr>
+        <p:style>
+          <a:lnRef idx="1">
+            <a:schemeClr val="accent4"/>
+          </a:lnRef>
+          <a:fillRef idx="2">
+            <a:schemeClr val="accent4"/>
+          </a:fillRef>
+          <a:effectRef idx="1">
+            <a:schemeClr val="accent4"/>
+          </a:effectRef>
+          <a:fontRef idx="minor">
+            <a:schemeClr val="dk1"/>
+          </a:fontRef>
+        </p:style>
+        <p:txBody>
+          <a:bodyPr rtlCol="0" anchor="ctr"/>
+          <a:lstStyle/>
+          <a:p>
+            <a:pPr algn="ctr"/>
+            <a:r>
+              <a:rPr lang="en-US" sz="1050" dirty="0">
+                <a:solidFill>
+                  <a:srgbClr val="7030A0"/>
+                </a:solidFill>
+              </a:rPr>
+              <a:t>Status</a:t>
+            </a:r>
+            <a:endParaRPr lang="en-SG" sz="1050" dirty="0">
+              <a:solidFill>
+                <a:srgbClr val="7030A0"/>
+              </a:solidFill>
+            </a:endParaRPr>
+          </a:p>
+        </p:txBody>
+      </p:sp>
+      <p:cxnSp>
+        <p:nvCxnSpPr>
+          <p:cNvPr id="88" name="Elbow Connector 85">
+            <a:extLst>
+              <a:ext uri="{FF2B5EF4-FFF2-40B4-BE49-F238E27FC236}">
+                <a16:creationId xmlns:a16="http://schemas.microsoft.com/office/drawing/2014/main" id="{A46012C6-66F8-4D52-9165-FCF05A0DCB25}"/>
+              </a:ext>
+            </a:extLst>
+          </p:cNvPr>
+          <p:cNvCxnSpPr>
+            <a:cxnSpLocks/>
+            <a:stCxn id="78" idx="3"/>
+            <a:endCxn id="87" idx="1"/>
+          </p:cNvCxnSpPr>
+          <p:nvPr/>
+        </p:nvCxnSpPr>
+        <p:spPr>
+          <a:xfrm>
+            <a:off x="7277995" y="3034891"/>
+            <a:ext cx="425134" cy="1736517"/>
+          </a:xfrm>
+          <a:prstGeom prst="bentConnector3">
+            <a:avLst/>
+          </a:prstGeom>
+          <a:ln w="19050">
+            <a:solidFill>
+              <a:srgbClr val="7030A0"/>
+            </a:solidFill>
+            <a:headEnd type="none" w="med" len="med"/>
+            <a:tailEnd type="arrow" w="med" len="med"/>
+          </a:ln>
+          <a:effectLst/>
+        </p:spPr>
+        <p:style>
+          <a:lnRef idx="1">
+            <a:schemeClr val="accent2"/>
+          </a:lnRef>
+          <a:fillRef idx="2">
+            <a:schemeClr val="accent2"/>
+          </a:fillRef>
+          <a:effectRef idx="1">
+            <a:schemeClr val="accent2"/>
+          </a:effectRef>
+          <a:fontRef idx="minor">
+            <a:schemeClr val="dk1"/>
+          </a:fontRef>
+        </p:style>
+      </p:cxnSp>
     </p:spTree>
     <p:extLst>
       <p:ext uri="{BB962C8B-B14F-4D97-AF65-F5344CB8AC3E}">
@@ -5763,13 +6178,6 @@
   <p:clrMapOvr>
     <a:masterClrMapping/>
   </p:clrMapOvr>
-  <p:timing>
-    <p:tnLst>
-      <p:par>
-        <p:cTn id="1" dur="indefinite" restart="never" nodeType="tmRoot"/>
-      </p:par>
-    </p:tnLst>
-  </p:timing>
 </p:sld>
 </file>
 
